--- a/修論/本文0105/figure/fig_2_1_ridge.pptx
+++ b/修論/本文0105/figure/fig_2_1_ridge.pptx
@@ -5,14 +5,15 @@
     <p:sldMasterId id="2147483756" r:id="rId1"/>
   </p:sldMasterIdLst>
   <p:notesMasterIdLst>
-    <p:notesMasterId r:id="rId4"/>
+    <p:notesMasterId r:id="rId5"/>
   </p:notesMasterIdLst>
   <p:handoutMasterIdLst>
-    <p:handoutMasterId r:id="rId5"/>
+    <p:handoutMasterId r:id="rId6"/>
   </p:handoutMasterIdLst>
   <p:sldIdLst>
     <p:sldId id="272" r:id="rId2"/>
-    <p:sldId id="273" r:id="rId3"/>
+    <p:sldId id="274" r:id="rId3"/>
+    <p:sldId id="273" r:id="rId4"/>
   </p:sldIdLst>
   <p:sldSz cx="9144000" cy="6858000" type="screen4x3"/>
   <p:notesSz cx="9869488" cy="6735763"/>
@@ -227,7 +228,7 @@
           <a:p>
             <a:fld id="{78E677E7-82C9-4938-9480-49B5B41335B9}" type="datetimeFigureOut">
               <a:rPr kumimoji="1" lang="ja-JP" altLang="en-US" smtClean="0"/>
-              <a:t>2018/12/28</a:t>
+              <a:t>2019/1/6</a:t>
             </a:fld>
             <a:endParaRPr kumimoji="1" lang="ja-JP" altLang="en-US"/>
           </a:p>
@@ -404,7 +405,7 @@
           <a:p>
             <a:fld id="{3446E738-F900-9D48-A133-DAC01D1B4E24}" type="datetimeFigureOut">
               <a:rPr kumimoji="1" lang="ja-JP" altLang="en-US" smtClean="0"/>
-              <a:t>2018/12/28</a:t>
+              <a:t>2019/1/6</a:t>
             </a:fld>
             <a:endParaRPr kumimoji="1" lang="ja-JP" altLang="en-US"/>
           </a:p>
@@ -959,7 +960,7 @@
           <a:p>
             <a:fld id="{10720FFB-8FD2-0244-8340-A53A1D78DF51}" type="datetime1">
               <a:rPr kumimoji="1" lang="ja-JP" altLang="en-US" smtClean="0"/>
-              <a:t>2018/12/28</a:t>
+              <a:t>2019/1/6</a:t>
             </a:fld>
             <a:endParaRPr kumimoji="1" lang="ja-JP" altLang="en-US"/>
           </a:p>
@@ -1168,7 +1169,7 @@
           <a:p>
             <a:fld id="{CE9D822C-DFC2-9543-907C-72EEC755F3F7}" type="datetime1">
               <a:rPr kumimoji="1" lang="ja-JP" altLang="en-US" smtClean="0"/>
-              <a:t>2018/12/28</a:t>
+              <a:t>2019/1/6</a:t>
             </a:fld>
             <a:endParaRPr kumimoji="1" lang="ja-JP" altLang="en-US"/>
           </a:p>
@@ -1387,7 +1388,7 @@
           <a:p>
             <a:fld id="{C1282F87-C729-5D48-A48C-1DB9AA85DB81}" type="datetime1">
               <a:rPr kumimoji="1" lang="ja-JP" altLang="en-US" smtClean="0"/>
-              <a:t>2018/12/28</a:t>
+              <a:t>2019/1/6</a:t>
             </a:fld>
             <a:endParaRPr kumimoji="1" lang="ja-JP" altLang="en-US"/>
           </a:p>
@@ -1596,7 +1597,7 @@
           <a:p>
             <a:fld id="{89A47EE3-A654-A443-B744-676F7DFE59F9}" type="datetime1">
               <a:rPr kumimoji="1" lang="ja-JP" altLang="en-US" smtClean="0"/>
-              <a:t>2018/12/28</a:t>
+              <a:t>2019/1/6</a:t>
             </a:fld>
             <a:endParaRPr kumimoji="1" lang="ja-JP" altLang="en-US"/>
           </a:p>
@@ -1926,7 +1927,7 @@
           <a:p>
             <a:fld id="{F2FBEC7A-1A8D-3D4F-B579-5908030A237A}" type="datetime1">
               <a:rPr kumimoji="1" lang="ja-JP" altLang="en-US" smtClean="0"/>
-              <a:t>2018/12/28</a:t>
+              <a:t>2019/1/6</a:t>
             </a:fld>
             <a:endParaRPr kumimoji="1" lang="ja-JP" altLang="en-US"/>
           </a:p>
@@ -2209,7 +2210,7 @@
           <a:p>
             <a:fld id="{6F8B8875-4412-2045-A219-43F832D95989}" type="datetime1">
               <a:rPr kumimoji="1" lang="ja-JP" altLang="en-US" smtClean="0"/>
-              <a:t>2018/12/28</a:t>
+              <a:t>2019/1/6</a:t>
             </a:fld>
             <a:endParaRPr kumimoji="1" lang="ja-JP" altLang="en-US"/>
           </a:p>
@@ -2709,7 +2710,7 @@
           <a:p>
             <a:fld id="{9759EF83-A7E8-ED4E-BE3B-B04F4CD47BBB}" type="datetime1">
               <a:rPr kumimoji="1" lang="ja-JP" altLang="en-US" smtClean="0"/>
-              <a:t>2018/12/28</a:t>
+              <a:t>2019/1/6</a:t>
             </a:fld>
             <a:endParaRPr kumimoji="1" lang="ja-JP" altLang="en-US"/>
           </a:p>
@@ -2854,7 +2855,7 @@
           <a:p>
             <a:fld id="{A39236DB-587D-5F41-B6B0-8726D9E83BFC}" type="datetime1">
               <a:rPr kumimoji="1" lang="ja-JP" altLang="en-US" smtClean="0"/>
-              <a:t>2018/12/28</a:t>
+              <a:t>2019/1/6</a:t>
             </a:fld>
             <a:endParaRPr kumimoji="1" lang="ja-JP" altLang="en-US"/>
           </a:p>
@@ -2971,7 +2972,7 @@
           <a:p>
             <a:fld id="{C55BB37D-AE48-DD40-8537-3AADCD4AD14E}" type="datetime1">
               <a:rPr kumimoji="1" lang="ja-JP" altLang="en-US" smtClean="0"/>
-              <a:t>2018/12/28</a:t>
+              <a:t>2019/1/6</a:t>
             </a:fld>
             <a:endParaRPr kumimoji="1" lang="ja-JP" altLang="en-US"/>
           </a:p>
@@ -3328,7 +3329,7 @@
           <a:p>
             <a:fld id="{044A9A96-A761-E544-A252-16B574CAA06A}" type="datetime1">
               <a:rPr kumimoji="1" lang="ja-JP" altLang="en-US" smtClean="0"/>
-              <a:t>2018/12/28</a:t>
+              <a:t>2019/1/6</a:t>
             </a:fld>
             <a:endParaRPr kumimoji="1" lang="ja-JP" altLang="en-US"/>
           </a:p>
@@ -3655,7 +3656,7 @@
           <a:p>
             <a:fld id="{3BF67472-26F2-1445-9318-605606D5DD2C}" type="datetime1">
               <a:rPr kumimoji="1" lang="ja-JP" altLang="en-US" smtClean="0"/>
-              <a:t>2018/12/28</a:t>
+              <a:t>2019/1/6</a:t>
             </a:fld>
             <a:endParaRPr kumimoji="1" lang="ja-JP" altLang="en-US"/>
           </a:p>
@@ -3907,7 +3908,7 @@
           <a:p>
             <a:fld id="{1C3C70B0-0559-0F4F-8048-C5720087C2AE}" type="datetime1">
               <a:rPr kumimoji="1" lang="ja-JP" altLang="en-US" smtClean="0"/>
-              <a:t>2018/12/28</a:t>
+              <a:t>2019/1/6</a:t>
             </a:fld>
             <a:endParaRPr kumimoji="1" lang="ja-JP" altLang="en-US"/>
           </a:p>
@@ -7939,6 +7940,792 @@
 </file>
 
 <file path=ppt/slides/slide2.xml><?xml version="1.0" encoding="utf-8"?>
+<p:sld xmlns:a="http://schemas.openxmlformats.org/drawingml/2006/main" xmlns:r="http://schemas.openxmlformats.org/officeDocument/2006/relationships" xmlns:p="http://schemas.openxmlformats.org/presentationml/2006/main">
+  <p:cSld>
+    <p:spTree>
+      <p:nvGrpSpPr>
+        <p:cNvPr id="1" name=""/>
+        <p:cNvGrpSpPr/>
+        <p:nvPr/>
+      </p:nvGrpSpPr>
+      <p:grpSpPr>
+        <a:xfrm>
+          <a:off x="0" y="0"/>
+          <a:ext cx="0" cy="0"/>
+          <a:chOff x="0" y="0"/>
+          <a:chExt cx="0" cy="0"/>
+        </a:xfrm>
+      </p:grpSpPr>
+      <p:sp>
+        <p:nvSpPr>
+          <p:cNvPr id="4" name="フッター プレースホルダー 3">
+            <a:extLst>
+              <a:ext uri="{FF2B5EF4-FFF2-40B4-BE49-F238E27FC236}">
+                <a16:creationId xmlns:a16="http://schemas.microsoft.com/office/drawing/2014/main" id="{3FF82DB8-364D-5841-AEBA-41908750BC7A}"/>
+              </a:ext>
+            </a:extLst>
+          </p:cNvPr>
+          <p:cNvSpPr>
+            <a:spLocks noGrp="1"/>
+          </p:cNvSpPr>
+          <p:nvPr>
+            <p:ph type="ftr" sz="quarter" idx="11"/>
+          </p:nvPr>
+        </p:nvSpPr>
+        <p:spPr/>
+        <p:txBody>
+          <a:bodyPr/>
+          <a:lstStyle/>
+          <a:p>
+            <a:r>
+              <a:rPr lang="en" altLang="ja-JP"/>
+              <a:t>confidential</a:t>
+            </a:r>
+            <a:endParaRPr lang="ja-JP" altLang="en-US" dirty="0"/>
+          </a:p>
+        </p:txBody>
+      </p:sp>
+      <p:sp>
+        <p:nvSpPr>
+          <p:cNvPr id="5" name="スライド番号プレースホルダー 4">
+            <a:extLst>
+              <a:ext uri="{FF2B5EF4-FFF2-40B4-BE49-F238E27FC236}">
+                <a16:creationId xmlns:a16="http://schemas.microsoft.com/office/drawing/2014/main" id="{C89C3B55-233B-4040-BAF8-D14635684E23}"/>
+              </a:ext>
+            </a:extLst>
+          </p:cNvPr>
+          <p:cNvSpPr>
+            <a:spLocks noGrp="1"/>
+          </p:cNvSpPr>
+          <p:nvPr>
+            <p:ph type="sldNum" sz="quarter" idx="12"/>
+          </p:nvPr>
+        </p:nvSpPr>
+        <p:spPr/>
+        <p:txBody>
+          <a:bodyPr/>
+          <a:lstStyle/>
+          <a:p>
+            <a:fld id="{6BA91BE5-1039-1A43-91E4-D50E2B4EF299}" type="slidenum">
+              <a:rPr kumimoji="1" lang="ja-JP" altLang="en-US" smtClean="0"/>
+              <a:t>1</a:t>
+            </a:fld>
+            <a:endParaRPr kumimoji="1" lang="ja-JP" altLang="en-US" dirty="0"/>
+          </a:p>
+        </p:txBody>
+      </p:sp>
+      <p:grpSp>
+        <p:nvGrpSpPr>
+          <p:cNvPr id="15" name="グループ化 14">
+            <a:extLst>
+              <a:ext uri="{FF2B5EF4-FFF2-40B4-BE49-F238E27FC236}">
+                <a16:creationId xmlns:a16="http://schemas.microsoft.com/office/drawing/2014/main" id="{E96EBD6D-B08E-5C42-97CC-C1F49E526E87}"/>
+              </a:ext>
+            </a:extLst>
+          </p:cNvPr>
+          <p:cNvGrpSpPr/>
+          <p:nvPr/>
+        </p:nvGrpSpPr>
+        <p:grpSpPr>
+          <a:xfrm>
+            <a:off x="5792744" y="1011217"/>
+            <a:ext cx="2564948" cy="2068702"/>
+            <a:chOff x="2903023" y="1351600"/>
+            <a:chExt cx="2564948" cy="2068702"/>
+          </a:xfrm>
+        </p:grpSpPr>
+        <p:grpSp>
+          <p:nvGrpSpPr>
+            <p:cNvPr id="18" name="グループ化 17">
+              <a:extLst>
+                <a:ext uri="{FF2B5EF4-FFF2-40B4-BE49-F238E27FC236}">
+                  <a16:creationId xmlns:a16="http://schemas.microsoft.com/office/drawing/2014/main" id="{CDD82E7B-3CE6-C243-B119-BC1C7B945313}"/>
+                </a:ext>
+              </a:extLst>
+            </p:cNvPr>
+            <p:cNvGrpSpPr/>
+            <p:nvPr/>
+          </p:nvGrpSpPr>
+          <p:grpSpPr>
+            <a:xfrm>
+              <a:off x="2903023" y="1351600"/>
+              <a:ext cx="2564948" cy="2068702"/>
+              <a:chOff x="4393393" y="3473923"/>
+              <a:chExt cx="3934832" cy="3083424"/>
+            </a:xfrm>
+          </p:grpSpPr>
+          <p:sp>
+            <p:nvSpPr>
+              <p:cNvPr id="22" name="直方体 21">
+                <a:extLst>
+                  <a:ext uri="{FF2B5EF4-FFF2-40B4-BE49-F238E27FC236}">
+                    <a16:creationId xmlns:a16="http://schemas.microsoft.com/office/drawing/2014/main" id="{06994C26-5CCA-8C48-8BB3-94865B461BD2}"/>
+                  </a:ext>
+                </a:extLst>
+              </p:cNvPr>
+              <p:cNvSpPr/>
+              <p:nvPr/>
+            </p:nvSpPr>
+            <p:spPr>
+              <a:xfrm>
+                <a:off x="4393394" y="5704588"/>
+                <a:ext cx="3934422" cy="852759"/>
+              </a:xfrm>
+              <a:prstGeom prst="cube">
+                <a:avLst>
+                  <a:gd name="adj" fmla="val 66937"/>
+                </a:avLst>
+              </a:prstGeom>
+              <a:solidFill>
+                <a:srgbClr val="FFC000"/>
+              </a:solidFill>
+              <a:ln>
+                <a:noFill/>
+              </a:ln>
+            </p:spPr>
+            <p:style>
+              <a:lnRef idx="2">
+                <a:schemeClr val="accent1">
+                  <a:shade val="50000"/>
+                </a:schemeClr>
+              </a:lnRef>
+              <a:fillRef idx="1">
+                <a:schemeClr val="accent1"/>
+              </a:fillRef>
+              <a:effectRef idx="0">
+                <a:schemeClr val="accent1"/>
+              </a:effectRef>
+              <a:fontRef idx="minor">
+                <a:schemeClr val="lt1"/>
+              </a:fontRef>
+            </p:style>
+            <p:txBody>
+              <a:bodyPr rtlCol="0" anchor="ctr"/>
+              <a:lstStyle/>
+              <a:p>
+                <a:pPr algn="ctr"/>
+                <a:r>
+                  <a:rPr kumimoji="1" lang="en-US" altLang="ja-JP" dirty="0"/>
+                  <a:t>Au</a:t>
+                </a:r>
+              </a:p>
+            </p:txBody>
+          </p:sp>
+          <p:sp>
+            <p:nvSpPr>
+              <p:cNvPr id="23" name="直方体 22">
+                <a:extLst>
+                  <a:ext uri="{FF2B5EF4-FFF2-40B4-BE49-F238E27FC236}">
+                    <a16:creationId xmlns:a16="http://schemas.microsoft.com/office/drawing/2014/main" id="{FB65C596-2183-C64A-8F16-CDEC9BB0BD60}"/>
+                  </a:ext>
+                </a:extLst>
+              </p:cNvPr>
+              <p:cNvSpPr/>
+              <p:nvPr/>
+            </p:nvSpPr>
+            <p:spPr>
+              <a:xfrm>
+                <a:off x="4393803" y="3965884"/>
+                <a:ext cx="3934422" cy="2305895"/>
+              </a:xfrm>
+              <a:prstGeom prst="cube">
+                <a:avLst/>
+              </a:prstGeom>
+              <a:ln>
+                <a:noFill/>
+              </a:ln>
+            </p:spPr>
+            <p:style>
+              <a:lnRef idx="2">
+                <a:schemeClr val="accent1">
+                  <a:shade val="50000"/>
+                </a:schemeClr>
+              </a:lnRef>
+              <a:fillRef idx="1">
+                <a:schemeClr val="accent1"/>
+              </a:fillRef>
+              <a:effectRef idx="0">
+                <a:schemeClr val="accent1"/>
+              </a:effectRef>
+              <a:fontRef idx="minor">
+                <a:schemeClr val="lt1"/>
+              </a:fontRef>
+            </p:style>
+            <p:txBody>
+              <a:bodyPr rtlCol="0" anchor="ctr"/>
+              <a:lstStyle/>
+              <a:p>
+                <a:pPr algn="ctr"/>
+                <a:endParaRPr kumimoji="1" lang="ja-JP" altLang="en-US"/>
+              </a:p>
+            </p:txBody>
+          </p:sp>
+          <p:sp>
+            <p:nvSpPr>
+              <p:cNvPr id="24" name="直方体 23">
+                <a:extLst>
+                  <a:ext uri="{FF2B5EF4-FFF2-40B4-BE49-F238E27FC236}">
+                    <a16:creationId xmlns:a16="http://schemas.microsoft.com/office/drawing/2014/main" id="{7A354021-A9A6-0942-9BDF-22A51FD41F53}"/>
+                  </a:ext>
+                </a:extLst>
+              </p:cNvPr>
+              <p:cNvSpPr/>
+              <p:nvPr/>
+            </p:nvSpPr>
+            <p:spPr>
+              <a:xfrm>
+                <a:off x="5211090" y="3728767"/>
+                <a:ext cx="1152128" cy="834235"/>
+              </a:xfrm>
+              <a:prstGeom prst="cube">
+                <a:avLst>
+                  <a:gd name="adj" fmla="val 70136"/>
+                </a:avLst>
+              </a:prstGeom>
+              <a:ln>
+                <a:noFill/>
+              </a:ln>
+            </p:spPr>
+            <p:style>
+              <a:lnRef idx="2">
+                <a:schemeClr val="accent1">
+                  <a:shade val="50000"/>
+                </a:schemeClr>
+              </a:lnRef>
+              <a:fillRef idx="1">
+                <a:schemeClr val="accent1"/>
+              </a:fillRef>
+              <a:effectRef idx="0">
+                <a:schemeClr val="accent1"/>
+              </a:effectRef>
+              <a:fontRef idx="minor">
+                <a:schemeClr val="lt1"/>
+              </a:fontRef>
+            </p:style>
+            <p:txBody>
+              <a:bodyPr rtlCol="0" anchor="ctr"/>
+              <a:lstStyle/>
+              <a:p>
+                <a:pPr algn="ctr"/>
+                <a:endParaRPr kumimoji="1" lang="ja-JP" altLang="en-US"/>
+              </a:p>
+            </p:txBody>
+          </p:sp>
+          <p:sp>
+            <p:nvSpPr>
+              <p:cNvPr id="25" name="直方体 24">
+                <a:extLst>
+                  <a:ext uri="{FF2B5EF4-FFF2-40B4-BE49-F238E27FC236}">
+                    <a16:creationId xmlns:a16="http://schemas.microsoft.com/office/drawing/2014/main" id="{8B16915F-D1B6-EB47-8EEC-B528C53D02E1}"/>
+                  </a:ext>
+                </a:extLst>
+              </p:cNvPr>
+              <p:cNvSpPr/>
+              <p:nvPr/>
+            </p:nvSpPr>
+            <p:spPr>
+              <a:xfrm>
+                <a:off x="4393393" y="3709355"/>
+                <a:ext cx="3934831" cy="834235"/>
+              </a:xfrm>
+              <a:prstGeom prst="cube">
+                <a:avLst>
+                  <a:gd name="adj" fmla="val 70136"/>
+                </a:avLst>
+              </a:prstGeom>
+              <a:ln>
+                <a:noFill/>
+              </a:ln>
+            </p:spPr>
+            <p:style>
+              <a:lnRef idx="2">
+                <a:schemeClr val="accent1">
+                  <a:shade val="50000"/>
+                </a:schemeClr>
+              </a:lnRef>
+              <a:fillRef idx="1">
+                <a:schemeClr val="accent1"/>
+              </a:fillRef>
+              <a:effectRef idx="0">
+                <a:schemeClr val="accent1"/>
+              </a:effectRef>
+              <a:fontRef idx="minor">
+                <a:schemeClr val="lt1"/>
+              </a:fontRef>
+            </p:style>
+            <p:txBody>
+              <a:bodyPr rtlCol="0" anchor="ctr"/>
+              <a:lstStyle/>
+              <a:p>
+                <a:pPr algn="ctr"/>
+                <a:endParaRPr kumimoji="1" lang="ja-JP" altLang="en-US"/>
+              </a:p>
+            </p:txBody>
+          </p:sp>
+          <p:sp>
+            <p:nvSpPr>
+              <p:cNvPr id="26" name="直方体 25">
+                <a:extLst>
+                  <a:ext uri="{FF2B5EF4-FFF2-40B4-BE49-F238E27FC236}">
+                    <a16:creationId xmlns:a16="http://schemas.microsoft.com/office/drawing/2014/main" id="{A7226218-B820-9641-84E8-546004B7F587}"/>
+                  </a:ext>
+                </a:extLst>
+              </p:cNvPr>
+              <p:cNvSpPr/>
+              <p:nvPr/>
+            </p:nvSpPr>
+            <p:spPr>
+              <a:xfrm>
+                <a:off x="5211090" y="3473923"/>
+                <a:ext cx="1152128" cy="834235"/>
+              </a:xfrm>
+              <a:prstGeom prst="cube">
+                <a:avLst>
+                  <a:gd name="adj" fmla="val 69909"/>
+                </a:avLst>
+              </a:prstGeom>
+              <a:solidFill>
+                <a:srgbClr val="FFC000"/>
+              </a:solidFill>
+              <a:ln>
+                <a:noFill/>
+              </a:ln>
+            </p:spPr>
+            <p:style>
+              <a:lnRef idx="2">
+                <a:schemeClr val="accent1">
+                  <a:shade val="50000"/>
+                </a:schemeClr>
+              </a:lnRef>
+              <a:fillRef idx="1">
+                <a:schemeClr val="accent1"/>
+              </a:fillRef>
+              <a:effectRef idx="0">
+                <a:schemeClr val="accent1"/>
+              </a:effectRef>
+              <a:fontRef idx="minor">
+                <a:schemeClr val="lt1"/>
+              </a:fontRef>
+            </p:style>
+            <p:txBody>
+              <a:bodyPr rtlCol="0" anchor="ctr"/>
+              <a:lstStyle/>
+              <a:p>
+                <a:pPr algn="ctr"/>
+                <a:r>
+                  <a:rPr kumimoji="1" lang="en-US" altLang="ja-JP" sz="1100" dirty="0"/>
+                  <a:t>Au</a:t>
+                </a:r>
+                <a:endParaRPr kumimoji="1" lang="ja-JP" altLang="en-US" sz="1100"/>
+              </a:p>
+            </p:txBody>
+          </p:sp>
+          <p:sp>
+            <p:nvSpPr>
+              <p:cNvPr id="27" name="直方体 26">
+                <a:extLst>
+                  <a:ext uri="{FF2B5EF4-FFF2-40B4-BE49-F238E27FC236}">
+                    <a16:creationId xmlns:a16="http://schemas.microsoft.com/office/drawing/2014/main" id="{C2BB702C-1B3C-AB43-9FB5-3A1A501B841D}"/>
+                  </a:ext>
+                </a:extLst>
+              </p:cNvPr>
+              <p:cNvSpPr/>
+              <p:nvPr/>
+            </p:nvSpPr>
+            <p:spPr>
+              <a:xfrm>
+                <a:off x="5976811" y="3684669"/>
+                <a:ext cx="679498" cy="424779"/>
+              </a:xfrm>
+              <a:prstGeom prst="cube">
+                <a:avLst>
+                  <a:gd name="adj" fmla="val 42604"/>
+                </a:avLst>
+              </a:prstGeom>
+              <a:solidFill>
+                <a:srgbClr val="FFC000"/>
+              </a:solidFill>
+              <a:ln>
+                <a:noFill/>
+              </a:ln>
+            </p:spPr>
+            <p:style>
+              <a:lnRef idx="2">
+                <a:schemeClr val="accent1">
+                  <a:shade val="50000"/>
+                </a:schemeClr>
+              </a:lnRef>
+              <a:fillRef idx="1">
+                <a:schemeClr val="accent1"/>
+              </a:fillRef>
+              <a:effectRef idx="0">
+                <a:schemeClr val="accent1"/>
+              </a:effectRef>
+              <a:fontRef idx="minor">
+                <a:schemeClr val="lt1"/>
+              </a:fontRef>
+            </p:style>
+            <p:txBody>
+              <a:bodyPr rtlCol="0" anchor="ctr"/>
+              <a:lstStyle/>
+              <a:p>
+                <a:pPr algn="ctr"/>
+                <a:endParaRPr kumimoji="1" lang="ja-JP" altLang="en-US"/>
+              </a:p>
+            </p:txBody>
+          </p:sp>
+          <p:sp>
+            <p:nvSpPr>
+              <p:cNvPr id="28" name="直方体 27">
+                <a:extLst>
+                  <a:ext uri="{FF2B5EF4-FFF2-40B4-BE49-F238E27FC236}">
+                    <a16:creationId xmlns:a16="http://schemas.microsoft.com/office/drawing/2014/main" id="{0922164B-3E3B-A64C-882C-EC9209902D97}"/>
+                  </a:ext>
+                </a:extLst>
+              </p:cNvPr>
+              <p:cNvSpPr/>
+              <p:nvPr/>
+            </p:nvSpPr>
+            <p:spPr>
+              <a:xfrm>
+                <a:off x="6310753" y="3638958"/>
+                <a:ext cx="1396949" cy="548048"/>
+              </a:xfrm>
+              <a:prstGeom prst="cube">
+                <a:avLst>
+                  <a:gd name="adj" fmla="val 60733"/>
+                </a:avLst>
+              </a:prstGeom>
+              <a:solidFill>
+                <a:srgbClr val="FFC000"/>
+              </a:solidFill>
+              <a:ln>
+                <a:noFill/>
+              </a:ln>
+            </p:spPr>
+            <p:style>
+              <a:lnRef idx="2">
+                <a:schemeClr val="accent1">
+                  <a:shade val="50000"/>
+                </a:schemeClr>
+              </a:lnRef>
+              <a:fillRef idx="1">
+                <a:schemeClr val="accent1"/>
+              </a:fillRef>
+              <a:effectRef idx="0">
+                <a:schemeClr val="accent1"/>
+              </a:effectRef>
+              <a:fontRef idx="minor">
+                <a:schemeClr val="lt1"/>
+              </a:fontRef>
+            </p:style>
+            <p:txBody>
+              <a:bodyPr rtlCol="0" anchor="ctr"/>
+              <a:lstStyle/>
+              <a:p>
+                <a:pPr algn="ctr"/>
+                <a:endParaRPr kumimoji="1" lang="ja-JP" altLang="en-US"/>
+              </a:p>
+            </p:txBody>
+          </p:sp>
+          <p:sp>
+            <p:nvSpPr>
+              <p:cNvPr id="29" name="円/楕円 28">
+                <a:extLst>
+                  <a:ext uri="{FF2B5EF4-FFF2-40B4-BE49-F238E27FC236}">
+                    <a16:creationId xmlns:a16="http://schemas.microsoft.com/office/drawing/2014/main" id="{3E24C733-7EFD-9C4E-A90C-6DA5EE0D9265}"/>
+                  </a:ext>
+                </a:extLst>
+              </p:cNvPr>
+              <p:cNvSpPr/>
+              <p:nvPr/>
+            </p:nvSpPr>
+            <p:spPr>
+              <a:xfrm>
+                <a:off x="5184212" y="4661926"/>
+                <a:ext cx="602942" cy="176651"/>
+              </a:xfrm>
+              <a:prstGeom prst="ellipse">
+                <a:avLst/>
+              </a:prstGeom>
+              <a:noFill/>
+              <a:ln>
+                <a:solidFill>
+                  <a:srgbClr val="FF0000"/>
+                </a:solidFill>
+              </a:ln>
+            </p:spPr>
+            <p:style>
+              <a:lnRef idx="2">
+                <a:schemeClr val="accent1">
+                  <a:shade val="50000"/>
+                </a:schemeClr>
+              </a:lnRef>
+              <a:fillRef idx="1">
+                <a:schemeClr val="accent1"/>
+              </a:fillRef>
+              <a:effectRef idx="0">
+                <a:schemeClr val="accent1"/>
+              </a:effectRef>
+              <a:fontRef idx="minor">
+                <a:schemeClr val="lt1"/>
+              </a:fontRef>
+            </p:style>
+            <p:txBody>
+              <a:bodyPr rtlCol="0" anchor="ctr"/>
+              <a:lstStyle/>
+              <a:p>
+                <a:pPr algn="ctr"/>
+                <a:endParaRPr kumimoji="1" lang="ja-JP" altLang="en-US"/>
+              </a:p>
+            </p:txBody>
+          </p:sp>
+          <p:sp>
+            <p:nvSpPr>
+              <p:cNvPr id="30" name="円/楕円 29">
+                <a:extLst>
+                  <a:ext uri="{FF2B5EF4-FFF2-40B4-BE49-F238E27FC236}">
+                    <a16:creationId xmlns:a16="http://schemas.microsoft.com/office/drawing/2014/main" id="{A0E76DFB-F11E-C847-A145-39CB8A0D3578}"/>
+                  </a:ext>
+                </a:extLst>
+              </p:cNvPr>
+              <p:cNvSpPr/>
+              <p:nvPr/>
+            </p:nvSpPr>
+            <p:spPr>
+              <a:xfrm>
+                <a:off x="5308705" y="4727392"/>
+                <a:ext cx="353957" cy="45719"/>
+              </a:xfrm>
+              <a:prstGeom prst="ellipse">
+                <a:avLst/>
+              </a:prstGeom>
+              <a:noFill/>
+              <a:ln>
+                <a:solidFill>
+                  <a:srgbClr val="FF0000"/>
+                </a:solidFill>
+              </a:ln>
+            </p:spPr>
+            <p:style>
+              <a:lnRef idx="2">
+                <a:schemeClr val="accent1">
+                  <a:shade val="50000"/>
+                </a:schemeClr>
+              </a:lnRef>
+              <a:fillRef idx="1">
+                <a:schemeClr val="accent1"/>
+              </a:fillRef>
+              <a:effectRef idx="0">
+                <a:schemeClr val="accent1"/>
+              </a:effectRef>
+              <a:fontRef idx="minor">
+                <a:schemeClr val="lt1"/>
+              </a:fontRef>
+            </p:style>
+            <p:txBody>
+              <a:bodyPr rtlCol="0" anchor="ctr"/>
+              <a:lstStyle/>
+              <a:p>
+                <a:pPr algn="ctr"/>
+                <a:endParaRPr kumimoji="1" lang="ja-JP" altLang="en-US"/>
+              </a:p>
+            </p:txBody>
+          </p:sp>
+          <p:sp>
+            <p:nvSpPr>
+              <p:cNvPr id="31" name="円/楕円 30">
+                <a:extLst>
+                  <a:ext uri="{FF2B5EF4-FFF2-40B4-BE49-F238E27FC236}">
+                    <a16:creationId xmlns:a16="http://schemas.microsoft.com/office/drawing/2014/main" id="{8EC2E15E-DAB7-3B45-86D8-5957075A4A2A}"/>
+                  </a:ext>
+                </a:extLst>
+              </p:cNvPr>
+              <p:cNvSpPr/>
+              <p:nvPr/>
+            </p:nvSpPr>
+            <p:spPr>
+              <a:xfrm>
+                <a:off x="5029431" y="4616578"/>
+                <a:ext cx="912504" cy="267347"/>
+              </a:xfrm>
+              <a:prstGeom prst="ellipse">
+                <a:avLst/>
+              </a:prstGeom>
+              <a:noFill/>
+              <a:ln>
+                <a:solidFill>
+                  <a:srgbClr val="FF0000"/>
+                </a:solidFill>
+              </a:ln>
+            </p:spPr>
+            <p:style>
+              <a:lnRef idx="2">
+                <a:schemeClr val="accent1">
+                  <a:shade val="50000"/>
+                </a:schemeClr>
+              </a:lnRef>
+              <a:fillRef idx="1">
+                <a:schemeClr val="accent1"/>
+              </a:fillRef>
+              <a:effectRef idx="0">
+                <a:schemeClr val="accent1"/>
+              </a:effectRef>
+              <a:fontRef idx="minor">
+                <a:schemeClr val="lt1"/>
+              </a:fontRef>
+            </p:style>
+            <p:txBody>
+              <a:bodyPr rtlCol="0" anchor="ctr"/>
+              <a:lstStyle/>
+              <a:p>
+                <a:pPr algn="ctr"/>
+                <a:endParaRPr kumimoji="1" lang="ja-JP" altLang="en-US"/>
+              </a:p>
+            </p:txBody>
+          </p:sp>
+        </p:grpSp>
+        <p:cxnSp>
+          <p:nvCxnSpPr>
+            <p:cNvPr id="19" name="直線矢印コネクタ 18">
+              <a:extLst>
+                <a:ext uri="{FF2B5EF4-FFF2-40B4-BE49-F238E27FC236}">
+                  <a16:creationId xmlns:a16="http://schemas.microsoft.com/office/drawing/2014/main" id="{78BD09B4-9BDF-DD45-8CAB-935F96EB5401}"/>
+                </a:ext>
+              </a:extLst>
+            </p:cNvPr>
+            <p:cNvCxnSpPr/>
+            <p:nvPr/>
+          </p:nvCxnSpPr>
+          <p:spPr>
+            <a:xfrm>
+              <a:off x="3633901" y="1917098"/>
+              <a:ext cx="18992" cy="1296384"/>
+            </a:xfrm>
+            <a:prstGeom prst="straightConnector1">
+              <a:avLst/>
+            </a:prstGeom>
+            <a:ln>
+              <a:solidFill>
+                <a:schemeClr val="accent2"/>
+              </a:solidFill>
+              <a:tailEnd type="triangle"/>
+            </a:ln>
+          </p:spPr>
+          <p:style>
+            <a:lnRef idx="1">
+              <a:schemeClr val="accent1"/>
+            </a:lnRef>
+            <a:fillRef idx="0">
+              <a:schemeClr val="accent1"/>
+            </a:fillRef>
+            <a:effectRef idx="0">
+              <a:schemeClr val="accent1"/>
+            </a:effectRef>
+            <a:fontRef idx="minor">
+              <a:schemeClr val="tx1"/>
+            </a:fontRef>
+          </p:style>
+        </p:cxnSp>
+        <p:cxnSp>
+          <p:nvCxnSpPr>
+            <p:cNvPr id="20" name="直線矢印コネクタ 19">
+              <a:extLst>
+                <a:ext uri="{FF2B5EF4-FFF2-40B4-BE49-F238E27FC236}">
+                  <a16:creationId xmlns:a16="http://schemas.microsoft.com/office/drawing/2014/main" id="{156EE41C-8031-0946-919B-F8675BD25F7D}"/>
+                </a:ext>
+              </a:extLst>
+            </p:cNvPr>
+            <p:cNvCxnSpPr/>
+            <p:nvPr/>
+          </p:nvCxnSpPr>
+          <p:spPr>
+            <a:xfrm>
+              <a:off x="3546273" y="1917098"/>
+              <a:ext cx="18992" cy="1296384"/>
+            </a:xfrm>
+            <a:prstGeom prst="straightConnector1">
+              <a:avLst/>
+            </a:prstGeom>
+            <a:ln>
+              <a:solidFill>
+                <a:schemeClr val="accent2"/>
+              </a:solidFill>
+              <a:tailEnd type="triangle"/>
+            </a:ln>
+          </p:spPr>
+          <p:style>
+            <a:lnRef idx="1">
+              <a:schemeClr val="accent1"/>
+            </a:lnRef>
+            <a:fillRef idx="0">
+              <a:schemeClr val="accent1"/>
+            </a:fillRef>
+            <a:effectRef idx="0">
+              <a:schemeClr val="accent1"/>
+            </a:effectRef>
+            <a:fontRef idx="minor">
+              <a:schemeClr val="tx1"/>
+            </a:fontRef>
+          </p:style>
+        </p:cxnSp>
+        <p:cxnSp>
+          <p:nvCxnSpPr>
+            <p:cNvPr id="21" name="直線矢印コネクタ 20">
+              <a:extLst>
+                <a:ext uri="{FF2B5EF4-FFF2-40B4-BE49-F238E27FC236}">
+                  <a16:creationId xmlns:a16="http://schemas.microsoft.com/office/drawing/2014/main" id="{2F3A3027-8C10-654D-A71C-AE390D758701}"/>
+                </a:ext>
+              </a:extLst>
+            </p:cNvPr>
+            <p:cNvCxnSpPr/>
+            <p:nvPr/>
+          </p:nvCxnSpPr>
+          <p:spPr>
+            <a:xfrm>
+              <a:off x="3592026" y="1908134"/>
+              <a:ext cx="18992" cy="1296384"/>
+            </a:xfrm>
+            <a:prstGeom prst="straightConnector1">
+              <a:avLst/>
+            </a:prstGeom>
+            <a:ln>
+              <a:solidFill>
+                <a:schemeClr val="accent2"/>
+              </a:solidFill>
+              <a:tailEnd type="triangle"/>
+            </a:ln>
+          </p:spPr>
+          <p:style>
+            <a:lnRef idx="1">
+              <a:schemeClr val="accent1"/>
+            </a:lnRef>
+            <a:fillRef idx="0">
+              <a:schemeClr val="accent1"/>
+            </a:fillRef>
+            <a:effectRef idx="0">
+              <a:schemeClr val="accent1"/>
+            </a:effectRef>
+            <a:fontRef idx="minor">
+              <a:schemeClr val="tx1"/>
+            </a:fontRef>
+          </p:style>
+        </p:cxnSp>
+      </p:grpSp>
+    </p:spTree>
+    <p:extLst>
+      <p:ext uri="{BB962C8B-B14F-4D97-AF65-F5344CB8AC3E}">
+        <p14:creationId xmlns:p14="http://schemas.microsoft.com/office/powerpoint/2010/main" val="1895189998"/>
+      </p:ext>
+    </p:extLst>
+  </p:cSld>
+  <p:clrMapOvr>
+    <a:masterClrMapping/>
+  </p:clrMapOvr>
+</p:sld>
+</file>
+
+<file path=ppt/slides/slide3.xml><?xml version="1.0" encoding="utf-8"?>
 <p:sld xmlns:a="http://schemas.openxmlformats.org/drawingml/2006/main" xmlns:r="http://schemas.openxmlformats.org/officeDocument/2006/relationships" xmlns:p="http://schemas.openxmlformats.org/presentationml/2006/main">
   <p:cSld>
     <p:spTree>
